--- a/LabNPF_workstation/_manage_workstation/Utilização PC_LabNPF-PC-Workstation.pptx
+++ b/LabNPF_workstation/_manage_workstation/Utilização PC_LabNPF-PC-Workstation.pptx
@@ -154,10 +154,9 @@
           </a:lstStyle>
           <a:p>
             <a:r>
-              <a:rPr lang="pt-PT" smtClean="0"/>
+              <a:rPr lang="pt-PT"/>
               <a:t>Clique para editar o estilo</a:t>
             </a:r>
-            <a:endParaRPr lang="pt-PT"/>
           </a:p>
         </p:txBody>
       </p:sp>
@@ -219,10 +218,9 @@
           </a:lstStyle>
           <a:p>
             <a:r>
-              <a:rPr lang="pt-PT" smtClean="0"/>
+              <a:rPr lang="pt-PT"/>
               <a:t>Clique para editar o estilo do subtítulo do Modelo Global</a:t>
             </a:r>
-            <a:endParaRPr lang="pt-PT"/>
           </a:p>
         </p:txBody>
       </p:sp>
@@ -243,7 +241,7 @@
           <a:p>
             <a:fld id="{C216D10A-8CDA-44EF-9706-3B3B3780268C}" type="datetimeFigureOut">
               <a:rPr lang="pt-PT" smtClean="0"/>
-              <a:t>11/05/2022</a:t>
+              <a:t>28/02/2023</a:t>
             </a:fld>
             <a:endParaRPr lang="pt-PT"/>
           </a:p>
@@ -285,7 +283,7 @@
           <a:p>
             <a:fld id="{3829BA6A-CA0E-4B77-88EF-D94A8AEFBB84}" type="slidenum">
               <a:rPr lang="pt-PT" smtClean="0"/>
-              <a:t>‹nº›</a:t>
+              <a:t>‹#›</a:t>
             </a:fld>
             <a:endParaRPr lang="pt-PT"/>
           </a:p>
@@ -337,10 +335,9 @@
           <a:lstStyle/>
           <a:p>
             <a:r>
-              <a:rPr lang="pt-PT" smtClean="0"/>
+              <a:rPr lang="pt-PT"/>
               <a:t>Clique para editar o estilo</a:t>
             </a:r>
-            <a:endParaRPr lang="pt-PT"/>
           </a:p>
         </p:txBody>
       </p:sp>
@@ -361,38 +358,37 @@
           <a:p>
             <a:pPr lvl="0"/>
             <a:r>
-              <a:rPr lang="pt-PT" smtClean="0"/>
+              <a:rPr lang="pt-PT"/>
               <a:t>Editar os estilos de texto do Modelo Global</a:t>
             </a:r>
           </a:p>
           <a:p>
             <a:pPr lvl="1"/>
             <a:r>
-              <a:rPr lang="pt-PT" smtClean="0"/>
+              <a:rPr lang="pt-PT"/>
               <a:t>Segundo nível</a:t>
             </a:r>
           </a:p>
           <a:p>
             <a:pPr lvl="2"/>
             <a:r>
-              <a:rPr lang="pt-PT" smtClean="0"/>
+              <a:rPr lang="pt-PT"/>
               <a:t>Terceiro nível</a:t>
             </a:r>
           </a:p>
           <a:p>
             <a:pPr lvl="3"/>
             <a:r>
-              <a:rPr lang="pt-PT" smtClean="0"/>
+              <a:rPr lang="pt-PT"/>
               <a:t>Quarto nível</a:t>
             </a:r>
           </a:p>
           <a:p>
             <a:pPr lvl="4"/>
             <a:r>
-              <a:rPr lang="pt-PT" smtClean="0"/>
+              <a:rPr lang="pt-PT"/>
               <a:t>Quinto nível</a:t>
             </a:r>
-            <a:endParaRPr lang="pt-PT"/>
           </a:p>
         </p:txBody>
       </p:sp>
@@ -413,7 +409,7 @@
           <a:p>
             <a:fld id="{C216D10A-8CDA-44EF-9706-3B3B3780268C}" type="datetimeFigureOut">
               <a:rPr lang="pt-PT" smtClean="0"/>
-              <a:t>11/05/2022</a:t>
+              <a:t>28/02/2023</a:t>
             </a:fld>
             <a:endParaRPr lang="pt-PT"/>
           </a:p>
@@ -455,7 +451,7 @@
           <a:p>
             <a:fld id="{3829BA6A-CA0E-4B77-88EF-D94A8AEFBB84}" type="slidenum">
               <a:rPr lang="pt-PT" smtClean="0"/>
-              <a:t>‹nº›</a:t>
+              <a:t>‹#›</a:t>
             </a:fld>
             <a:endParaRPr lang="pt-PT"/>
           </a:p>
@@ -512,10 +508,9 @@
           <a:lstStyle/>
           <a:p>
             <a:r>
-              <a:rPr lang="pt-PT" smtClean="0"/>
+              <a:rPr lang="pt-PT"/>
               <a:t>Clique para editar o estilo</a:t>
             </a:r>
-            <a:endParaRPr lang="pt-PT"/>
           </a:p>
         </p:txBody>
       </p:sp>
@@ -541,38 +536,37 @@
           <a:p>
             <a:pPr lvl="0"/>
             <a:r>
-              <a:rPr lang="pt-PT" smtClean="0"/>
+              <a:rPr lang="pt-PT"/>
               <a:t>Editar os estilos de texto do Modelo Global</a:t>
             </a:r>
           </a:p>
           <a:p>
             <a:pPr lvl="1"/>
             <a:r>
-              <a:rPr lang="pt-PT" smtClean="0"/>
+              <a:rPr lang="pt-PT"/>
               <a:t>Segundo nível</a:t>
             </a:r>
           </a:p>
           <a:p>
             <a:pPr lvl="2"/>
             <a:r>
-              <a:rPr lang="pt-PT" smtClean="0"/>
+              <a:rPr lang="pt-PT"/>
               <a:t>Terceiro nível</a:t>
             </a:r>
           </a:p>
           <a:p>
             <a:pPr lvl="3"/>
             <a:r>
-              <a:rPr lang="pt-PT" smtClean="0"/>
+              <a:rPr lang="pt-PT"/>
               <a:t>Quarto nível</a:t>
             </a:r>
           </a:p>
           <a:p>
             <a:pPr lvl="4"/>
             <a:r>
-              <a:rPr lang="pt-PT" smtClean="0"/>
+              <a:rPr lang="pt-PT"/>
               <a:t>Quinto nível</a:t>
             </a:r>
-            <a:endParaRPr lang="pt-PT"/>
           </a:p>
         </p:txBody>
       </p:sp>
@@ -593,7 +587,7 @@
           <a:p>
             <a:fld id="{C216D10A-8CDA-44EF-9706-3B3B3780268C}" type="datetimeFigureOut">
               <a:rPr lang="pt-PT" smtClean="0"/>
-              <a:t>11/05/2022</a:t>
+              <a:t>28/02/2023</a:t>
             </a:fld>
             <a:endParaRPr lang="pt-PT"/>
           </a:p>
@@ -635,7 +629,7 @@
           <a:p>
             <a:fld id="{3829BA6A-CA0E-4B77-88EF-D94A8AEFBB84}" type="slidenum">
               <a:rPr lang="pt-PT" smtClean="0"/>
-              <a:t>‹nº›</a:t>
+              <a:t>‹#›</a:t>
             </a:fld>
             <a:endParaRPr lang="pt-PT"/>
           </a:p>
@@ -687,10 +681,9 @@
           <a:lstStyle/>
           <a:p>
             <a:r>
-              <a:rPr lang="pt-PT" smtClean="0"/>
+              <a:rPr lang="pt-PT"/>
               <a:t>Clique para editar o estilo</a:t>
             </a:r>
-            <a:endParaRPr lang="pt-PT"/>
           </a:p>
         </p:txBody>
       </p:sp>
@@ -711,38 +704,37 @@
           <a:p>
             <a:pPr lvl="0"/>
             <a:r>
-              <a:rPr lang="pt-PT" smtClean="0"/>
+              <a:rPr lang="pt-PT"/>
               <a:t>Editar os estilos de texto do Modelo Global</a:t>
             </a:r>
           </a:p>
           <a:p>
             <a:pPr lvl="1"/>
             <a:r>
-              <a:rPr lang="pt-PT" smtClean="0"/>
+              <a:rPr lang="pt-PT"/>
               <a:t>Segundo nível</a:t>
             </a:r>
           </a:p>
           <a:p>
             <a:pPr lvl="2"/>
             <a:r>
-              <a:rPr lang="pt-PT" smtClean="0"/>
+              <a:rPr lang="pt-PT"/>
               <a:t>Terceiro nível</a:t>
             </a:r>
           </a:p>
           <a:p>
             <a:pPr lvl="3"/>
             <a:r>
-              <a:rPr lang="pt-PT" smtClean="0"/>
+              <a:rPr lang="pt-PT"/>
               <a:t>Quarto nível</a:t>
             </a:r>
           </a:p>
           <a:p>
             <a:pPr lvl="4"/>
             <a:r>
-              <a:rPr lang="pt-PT" smtClean="0"/>
+              <a:rPr lang="pt-PT"/>
               <a:t>Quinto nível</a:t>
             </a:r>
-            <a:endParaRPr lang="pt-PT"/>
           </a:p>
         </p:txBody>
       </p:sp>
@@ -763,7 +755,7 @@
           <a:p>
             <a:fld id="{C216D10A-8CDA-44EF-9706-3B3B3780268C}" type="datetimeFigureOut">
               <a:rPr lang="pt-PT" smtClean="0"/>
-              <a:t>11/05/2022</a:t>
+              <a:t>28/02/2023</a:t>
             </a:fld>
             <a:endParaRPr lang="pt-PT"/>
           </a:p>
@@ -805,7 +797,7 @@
           <a:p>
             <a:fld id="{3829BA6A-CA0E-4B77-88EF-D94A8AEFBB84}" type="slidenum">
               <a:rPr lang="pt-PT" smtClean="0"/>
-              <a:t>‹nº›</a:t>
+              <a:t>‹#›</a:t>
             </a:fld>
             <a:endParaRPr lang="pt-PT"/>
           </a:p>
@@ -866,10 +858,9 @@
           </a:lstStyle>
           <a:p>
             <a:r>
-              <a:rPr lang="pt-PT" smtClean="0"/>
+              <a:rPr lang="pt-PT"/>
               <a:t>Clique para editar o estilo</a:t>
             </a:r>
-            <a:endParaRPr lang="pt-PT"/>
           </a:p>
         </p:txBody>
       </p:sp>
@@ -986,7 +977,7 @@
           <a:p>
             <a:pPr lvl="0"/>
             <a:r>
-              <a:rPr lang="pt-PT" smtClean="0"/>
+              <a:rPr lang="pt-PT"/>
               <a:t>Editar os estilos de texto do Modelo Global</a:t>
             </a:r>
           </a:p>
@@ -1009,7 +1000,7 @@
           <a:p>
             <a:fld id="{C216D10A-8CDA-44EF-9706-3B3B3780268C}" type="datetimeFigureOut">
               <a:rPr lang="pt-PT" smtClean="0"/>
-              <a:t>11/05/2022</a:t>
+              <a:t>28/02/2023</a:t>
             </a:fld>
             <a:endParaRPr lang="pt-PT"/>
           </a:p>
@@ -1051,7 +1042,7 @@
           <a:p>
             <a:fld id="{3829BA6A-CA0E-4B77-88EF-D94A8AEFBB84}" type="slidenum">
               <a:rPr lang="pt-PT" smtClean="0"/>
-              <a:t>‹nº›</a:t>
+              <a:t>‹#›</a:t>
             </a:fld>
             <a:endParaRPr lang="pt-PT"/>
           </a:p>
@@ -1103,10 +1094,9 @@
           <a:lstStyle/>
           <a:p>
             <a:r>
-              <a:rPr lang="pt-PT" smtClean="0"/>
+              <a:rPr lang="pt-PT"/>
               <a:t>Clique para editar o estilo</a:t>
             </a:r>
-            <a:endParaRPr lang="pt-PT"/>
           </a:p>
         </p:txBody>
       </p:sp>
@@ -1132,38 +1122,37 @@
           <a:p>
             <a:pPr lvl="0"/>
             <a:r>
-              <a:rPr lang="pt-PT" smtClean="0"/>
+              <a:rPr lang="pt-PT"/>
               <a:t>Editar os estilos de texto do Modelo Global</a:t>
             </a:r>
           </a:p>
           <a:p>
             <a:pPr lvl="1"/>
             <a:r>
-              <a:rPr lang="pt-PT" smtClean="0"/>
+              <a:rPr lang="pt-PT"/>
               <a:t>Segundo nível</a:t>
             </a:r>
           </a:p>
           <a:p>
             <a:pPr lvl="2"/>
             <a:r>
-              <a:rPr lang="pt-PT" smtClean="0"/>
+              <a:rPr lang="pt-PT"/>
               <a:t>Terceiro nível</a:t>
             </a:r>
           </a:p>
           <a:p>
             <a:pPr lvl="3"/>
             <a:r>
-              <a:rPr lang="pt-PT" smtClean="0"/>
+              <a:rPr lang="pt-PT"/>
               <a:t>Quarto nível</a:t>
             </a:r>
           </a:p>
           <a:p>
             <a:pPr lvl="4"/>
             <a:r>
-              <a:rPr lang="pt-PT" smtClean="0"/>
+              <a:rPr lang="pt-PT"/>
               <a:t>Quinto nível</a:t>
             </a:r>
-            <a:endParaRPr lang="pt-PT"/>
           </a:p>
         </p:txBody>
       </p:sp>
@@ -1189,38 +1178,37 @@
           <a:p>
             <a:pPr lvl="0"/>
             <a:r>
-              <a:rPr lang="pt-PT" smtClean="0"/>
+              <a:rPr lang="pt-PT"/>
               <a:t>Editar os estilos de texto do Modelo Global</a:t>
             </a:r>
           </a:p>
           <a:p>
             <a:pPr lvl="1"/>
             <a:r>
-              <a:rPr lang="pt-PT" smtClean="0"/>
+              <a:rPr lang="pt-PT"/>
               <a:t>Segundo nível</a:t>
             </a:r>
           </a:p>
           <a:p>
             <a:pPr lvl="2"/>
             <a:r>
-              <a:rPr lang="pt-PT" smtClean="0"/>
+              <a:rPr lang="pt-PT"/>
               <a:t>Terceiro nível</a:t>
             </a:r>
           </a:p>
           <a:p>
             <a:pPr lvl="3"/>
             <a:r>
-              <a:rPr lang="pt-PT" smtClean="0"/>
+              <a:rPr lang="pt-PT"/>
               <a:t>Quarto nível</a:t>
             </a:r>
           </a:p>
           <a:p>
             <a:pPr lvl="4"/>
             <a:r>
-              <a:rPr lang="pt-PT" smtClean="0"/>
+              <a:rPr lang="pt-PT"/>
               <a:t>Quinto nível</a:t>
             </a:r>
-            <a:endParaRPr lang="pt-PT"/>
           </a:p>
         </p:txBody>
       </p:sp>
@@ -1241,7 +1229,7 @@
           <a:p>
             <a:fld id="{C216D10A-8CDA-44EF-9706-3B3B3780268C}" type="datetimeFigureOut">
               <a:rPr lang="pt-PT" smtClean="0"/>
-              <a:t>11/05/2022</a:t>
+              <a:t>28/02/2023</a:t>
             </a:fld>
             <a:endParaRPr lang="pt-PT"/>
           </a:p>
@@ -1283,7 +1271,7 @@
           <a:p>
             <a:fld id="{3829BA6A-CA0E-4B77-88EF-D94A8AEFBB84}" type="slidenum">
               <a:rPr lang="pt-PT" smtClean="0"/>
-              <a:t>‹nº›</a:t>
+              <a:t>‹#›</a:t>
             </a:fld>
             <a:endParaRPr lang="pt-PT"/>
           </a:p>
@@ -1340,10 +1328,9 @@
           <a:lstStyle/>
           <a:p>
             <a:r>
-              <a:rPr lang="pt-PT" smtClean="0"/>
+              <a:rPr lang="pt-PT"/>
               <a:t>Clique para editar o estilo</a:t>
             </a:r>
-            <a:endParaRPr lang="pt-PT"/>
           </a:p>
         </p:txBody>
       </p:sp>
@@ -1406,7 +1393,7 @@
           <a:p>
             <a:pPr lvl="0"/>
             <a:r>
-              <a:rPr lang="pt-PT" smtClean="0"/>
+              <a:rPr lang="pt-PT"/>
               <a:t>Editar os estilos de texto do Modelo Global</a:t>
             </a:r>
           </a:p>
@@ -1434,38 +1421,37 @@
           <a:p>
             <a:pPr lvl="0"/>
             <a:r>
-              <a:rPr lang="pt-PT" smtClean="0"/>
+              <a:rPr lang="pt-PT"/>
               <a:t>Editar os estilos de texto do Modelo Global</a:t>
             </a:r>
           </a:p>
           <a:p>
             <a:pPr lvl="1"/>
             <a:r>
-              <a:rPr lang="pt-PT" smtClean="0"/>
+              <a:rPr lang="pt-PT"/>
               <a:t>Segundo nível</a:t>
             </a:r>
           </a:p>
           <a:p>
             <a:pPr lvl="2"/>
             <a:r>
-              <a:rPr lang="pt-PT" smtClean="0"/>
+              <a:rPr lang="pt-PT"/>
               <a:t>Terceiro nível</a:t>
             </a:r>
           </a:p>
           <a:p>
             <a:pPr lvl="3"/>
             <a:r>
-              <a:rPr lang="pt-PT" smtClean="0"/>
+              <a:rPr lang="pt-PT"/>
               <a:t>Quarto nível</a:t>
             </a:r>
           </a:p>
           <a:p>
             <a:pPr lvl="4"/>
             <a:r>
-              <a:rPr lang="pt-PT" smtClean="0"/>
+              <a:rPr lang="pt-PT"/>
               <a:t>Quinto nível</a:t>
             </a:r>
-            <a:endParaRPr lang="pt-PT"/>
           </a:p>
         </p:txBody>
       </p:sp>
@@ -1528,7 +1514,7 @@
           <a:p>
             <a:pPr lvl="0"/>
             <a:r>
-              <a:rPr lang="pt-PT" smtClean="0"/>
+              <a:rPr lang="pt-PT"/>
               <a:t>Editar os estilos de texto do Modelo Global</a:t>
             </a:r>
           </a:p>
@@ -1556,38 +1542,37 @@
           <a:p>
             <a:pPr lvl="0"/>
             <a:r>
-              <a:rPr lang="pt-PT" smtClean="0"/>
+              <a:rPr lang="pt-PT"/>
               <a:t>Editar os estilos de texto do Modelo Global</a:t>
             </a:r>
           </a:p>
           <a:p>
             <a:pPr lvl="1"/>
             <a:r>
-              <a:rPr lang="pt-PT" smtClean="0"/>
+              <a:rPr lang="pt-PT"/>
               <a:t>Segundo nível</a:t>
             </a:r>
           </a:p>
           <a:p>
             <a:pPr lvl="2"/>
             <a:r>
-              <a:rPr lang="pt-PT" smtClean="0"/>
+              <a:rPr lang="pt-PT"/>
               <a:t>Terceiro nível</a:t>
             </a:r>
           </a:p>
           <a:p>
             <a:pPr lvl="3"/>
             <a:r>
-              <a:rPr lang="pt-PT" smtClean="0"/>
+              <a:rPr lang="pt-PT"/>
               <a:t>Quarto nível</a:t>
             </a:r>
           </a:p>
           <a:p>
             <a:pPr lvl="4"/>
             <a:r>
-              <a:rPr lang="pt-PT" smtClean="0"/>
+              <a:rPr lang="pt-PT"/>
               <a:t>Quinto nível</a:t>
             </a:r>
-            <a:endParaRPr lang="pt-PT"/>
           </a:p>
         </p:txBody>
       </p:sp>
@@ -1608,7 +1593,7 @@
           <a:p>
             <a:fld id="{C216D10A-8CDA-44EF-9706-3B3B3780268C}" type="datetimeFigureOut">
               <a:rPr lang="pt-PT" smtClean="0"/>
-              <a:t>11/05/2022</a:t>
+              <a:t>28/02/2023</a:t>
             </a:fld>
             <a:endParaRPr lang="pt-PT"/>
           </a:p>
@@ -1650,7 +1635,7 @@
           <a:p>
             <a:fld id="{3829BA6A-CA0E-4B77-88EF-D94A8AEFBB84}" type="slidenum">
               <a:rPr lang="pt-PT" smtClean="0"/>
-              <a:t>‹nº›</a:t>
+              <a:t>‹#›</a:t>
             </a:fld>
             <a:endParaRPr lang="pt-PT"/>
           </a:p>
@@ -1702,10 +1687,9 @@
           <a:lstStyle/>
           <a:p>
             <a:r>
-              <a:rPr lang="pt-PT" smtClean="0"/>
+              <a:rPr lang="pt-PT"/>
               <a:t>Clique para editar o estilo</a:t>
             </a:r>
-            <a:endParaRPr lang="pt-PT"/>
           </a:p>
         </p:txBody>
       </p:sp>
@@ -1726,7 +1710,7 @@
           <a:p>
             <a:fld id="{C216D10A-8CDA-44EF-9706-3B3B3780268C}" type="datetimeFigureOut">
               <a:rPr lang="pt-PT" smtClean="0"/>
-              <a:t>11/05/2022</a:t>
+              <a:t>28/02/2023</a:t>
             </a:fld>
             <a:endParaRPr lang="pt-PT"/>
           </a:p>
@@ -1768,7 +1752,7 @@
           <a:p>
             <a:fld id="{3829BA6A-CA0E-4B77-88EF-D94A8AEFBB84}" type="slidenum">
               <a:rPr lang="pt-PT" smtClean="0"/>
-              <a:t>‹nº›</a:t>
+              <a:t>‹#›</a:t>
             </a:fld>
             <a:endParaRPr lang="pt-PT"/>
           </a:p>
@@ -1821,7 +1805,7 @@
           <a:p>
             <a:fld id="{C216D10A-8CDA-44EF-9706-3B3B3780268C}" type="datetimeFigureOut">
               <a:rPr lang="pt-PT" smtClean="0"/>
-              <a:t>11/05/2022</a:t>
+              <a:t>28/02/2023</a:t>
             </a:fld>
             <a:endParaRPr lang="pt-PT"/>
           </a:p>
@@ -1863,7 +1847,7 @@
           <a:p>
             <a:fld id="{3829BA6A-CA0E-4B77-88EF-D94A8AEFBB84}" type="slidenum">
               <a:rPr lang="pt-PT" smtClean="0"/>
-              <a:t>‹nº›</a:t>
+              <a:t>‹#›</a:t>
             </a:fld>
             <a:endParaRPr lang="pt-PT"/>
           </a:p>
@@ -1924,10 +1908,9 @@
           </a:lstStyle>
           <a:p>
             <a:r>
-              <a:rPr lang="pt-PT" smtClean="0"/>
+              <a:rPr lang="pt-PT"/>
               <a:t>Clique para editar o estilo</a:t>
             </a:r>
-            <a:endParaRPr lang="pt-PT"/>
           </a:p>
         </p:txBody>
       </p:sp>
@@ -1981,38 +1964,37 @@
           <a:p>
             <a:pPr lvl="0"/>
             <a:r>
-              <a:rPr lang="pt-PT" smtClean="0"/>
+              <a:rPr lang="pt-PT"/>
               <a:t>Editar os estilos de texto do Modelo Global</a:t>
             </a:r>
           </a:p>
           <a:p>
             <a:pPr lvl="1"/>
             <a:r>
-              <a:rPr lang="pt-PT" smtClean="0"/>
+              <a:rPr lang="pt-PT"/>
               <a:t>Segundo nível</a:t>
             </a:r>
           </a:p>
           <a:p>
             <a:pPr lvl="2"/>
             <a:r>
-              <a:rPr lang="pt-PT" smtClean="0"/>
+              <a:rPr lang="pt-PT"/>
               <a:t>Terceiro nível</a:t>
             </a:r>
           </a:p>
           <a:p>
             <a:pPr lvl="3"/>
             <a:r>
-              <a:rPr lang="pt-PT" smtClean="0"/>
+              <a:rPr lang="pt-PT"/>
               <a:t>Quarto nível</a:t>
             </a:r>
           </a:p>
           <a:p>
             <a:pPr lvl="4"/>
             <a:r>
-              <a:rPr lang="pt-PT" smtClean="0"/>
+              <a:rPr lang="pt-PT"/>
               <a:t>Quinto nível</a:t>
             </a:r>
-            <a:endParaRPr lang="pt-PT"/>
           </a:p>
         </p:txBody>
       </p:sp>
@@ -2075,7 +2057,7 @@
           <a:p>
             <a:pPr lvl="0"/>
             <a:r>
-              <a:rPr lang="pt-PT" smtClean="0"/>
+              <a:rPr lang="pt-PT"/>
               <a:t>Editar os estilos de texto do Modelo Global</a:t>
             </a:r>
           </a:p>
@@ -2098,7 +2080,7 @@
           <a:p>
             <a:fld id="{C216D10A-8CDA-44EF-9706-3B3B3780268C}" type="datetimeFigureOut">
               <a:rPr lang="pt-PT" smtClean="0"/>
-              <a:t>11/05/2022</a:t>
+              <a:t>28/02/2023</a:t>
             </a:fld>
             <a:endParaRPr lang="pt-PT"/>
           </a:p>
@@ -2140,7 +2122,7 @@
           <a:p>
             <a:fld id="{3829BA6A-CA0E-4B77-88EF-D94A8AEFBB84}" type="slidenum">
               <a:rPr lang="pt-PT" smtClean="0"/>
-              <a:t>‹nº›</a:t>
+              <a:t>‹#›</a:t>
             </a:fld>
             <a:endParaRPr lang="pt-PT"/>
           </a:p>
@@ -2201,10 +2183,9 @@
           </a:lstStyle>
           <a:p>
             <a:r>
-              <a:rPr lang="pt-PT" smtClean="0"/>
+              <a:rPr lang="pt-PT"/>
               <a:t>Clique para editar o estilo</a:t>
             </a:r>
-            <a:endParaRPr lang="pt-PT"/>
           </a:p>
         </p:txBody>
       </p:sp>
@@ -2328,7 +2309,7 @@
           <a:p>
             <a:pPr lvl="0"/>
             <a:r>
-              <a:rPr lang="pt-PT" smtClean="0"/>
+              <a:rPr lang="pt-PT"/>
               <a:t>Editar os estilos de texto do Modelo Global</a:t>
             </a:r>
           </a:p>
@@ -2351,7 +2332,7 @@
           <a:p>
             <a:fld id="{C216D10A-8CDA-44EF-9706-3B3B3780268C}" type="datetimeFigureOut">
               <a:rPr lang="pt-PT" smtClean="0"/>
-              <a:t>11/05/2022</a:t>
+              <a:t>28/02/2023</a:t>
             </a:fld>
             <a:endParaRPr lang="pt-PT"/>
           </a:p>
@@ -2393,7 +2374,7 @@
           <a:p>
             <a:fld id="{3829BA6A-CA0E-4B77-88EF-D94A8AEFBB84}" type="slidenum">
               <a:rPr lang="pt-PT" smtClean="0"/>
-              <a:t>‹nº›</a:t>
+              <a:t>‹#›</a:t>
             </a:fld>
             <a:endParaRPr lang="pt-PT"/>
           </a:p>
@@ -2460,10 +2441,9 @@
           <a:lstStyle/>
           <a:p>
             <a:r>
-              <a:rPr lang="pt-PT" smtClean="0"/>
+              <a:rPr lang="pt-PT"/>
               <a:t>Clique para editar o estilo</a:t>
             </a:r>
-            <a:endParaRPr lang="pt-PT"/>
           </a:p>
         </p:txBody>
       </p:sp>
@@ -2494,38 +2474,37 @@
           <a:p>
             <a:pPr lvl="0"/>
             <a:r>
-              <a:rPr lang="pt-PT" smtClean="0"/>
+              <a:rPr lang="pt-PT"/>
               <a:t>Editar os estilos de texto do Modelo Global</a:t>
             </a:r>
           </a:p>
           <a:p>
             <a:pPr lvl="1"/>
             <a:r>
-              <a:rPr lang="pt-PT" smtClean="0"/>
+              <a:rPr lang="pt-PT"/>
               <a:t>Segundo nível</a:t>
             </a:r>
           </a:p>
           <a:p>
             <a:pPr lvl="2"/>
             <a:r>
-              <a:rPr lang="pt-PT" smtClean="0"/>
+              <a:rPr lang="pt-PT"/>
               <a:t>Terceiro nível</a:t>
             </a:r>
           </a:p>
           <a:p>
             <a:pPr lvl="3"/>
             <a:r>
-              <a:rPr lang="pt-PT" smtClean="0"/>
+              <a:rPr lang="pt-PT"/>
               <a:t>Quarto nível</a:t>
             </a:r>
           </a:p>
           <a:p>
             <a:pPr lvl="4"/>
             <a:r>
-              <a:rPr lang="pt-PT" smtClean="0"/>
+              <a:rPr lang="pt-PT"/>
               <a:t>Quinto nível</a:t>
             </a:r>
-            <a:endParaRPr lang="pt-PT"/>
           </a:p>
         </p:txBody>
       </p:sp>
@@ -2564,7 +2543,7 @@
           <a:p>
             <a:fld id="{C216D10A-8CDA-44EF-9706-3B3B3780268C}" type="datetimeFigureOut">
               <a:rPr lang="pt-PT" smtClean="0"/>
-              <a:t>11/05/2022</a:t>
+              <a:t>28/02/2023</a:t>
             </a:fld>
             <a:endParaRPr lang="pt-PT"/>
           </a:p>
@@ -2642,7 +2621,7 @@
           <a:p>
             <a:fld id="{3829BA6A-CA0E-4B77-88EF-D94A8AEFBB84}" type="slidenum">
               <a:rPr lang="pt-PT" smtClean="0"/>
-              <a:t>‹nº›</a:t>
+              <a:t>‹#›</a:t>
             </a:fld>
             <a:endParaRPr lang="pt-PT"/>
           </a:p>
@@ -3011,7 +2990,7 @@
           <a:lstStyle/>
           <a:p>
             <a:pPr algn="ctr"/>
-            <a:endParaRPr lang="pt-PT"/>
+            <a:endParaRPr lang="pt-PT" dirty="0"/>
           </a:p>
         </p:txBody>
       </p:sp>
@@ -3023,8 +3002,8 @@
         </p:nvSpPr>
         <p:spPr>
           <a:xfrm>
-            <a:off x="4399164" y="313852"/>
-            <a:ext cx="7409411" cy="6230295"/>
+            <a:off x="4399164" y="294802"/>
+            <a:ext cx="7409411" cy="6504858"/>
           </a:xfrm>
           <a:prstGeom prst="rect">
             <a:avLst/>
@@ -3045,7 +3024,7 @@
               </a:spcAft>
             </a:pPr>
             <a:r>
-              <a:rPr lang="pt-PT" sz="1400" b="1" dirty="0" smtClean="0">
+              <a:rPr lang="pt-PT" sz="1400" b="1" dirty="0">
                 <a:effectLst/>
                 <a:latin typeface="Calibri" panose="020F0502020204030204" pitchFamily="34" charset="0"/>
                 <a:ea typeface="Calibri" panose="020F0502020204030204" pitchFamily="34" charset="0"/>
@@ -3053,7 +3032,7 @@
               </a:rPr>
               <a:t>REGRAS DE UTILIZAÇÃO DESTE COMPUTADOR:</a:t>
             </a:r>
-            <a:endParaRPr lang="pt-PT" sz="1200" dirty="0" smtClean="0">
+            <a:endParaRPr lang="pt-PT" sz="1200" dirty="0">
               <a:effectLst/>
               <a:latin typeface="Calibri" panose="020F0502020204030204" pitchFamily="34" charset="0"/>
               <a:ea typeface="Calibri" panose="020F0502020204030204" pitchFamily="34" charset="0"/>
@@ -3072,7 +3051,7 @@
               <a:buChar char=""/>
             </a:pPr>
             <a:r>
-              <a:rPr lang="pt-PT" sz="1400" dirty="0" smtClean="0">
+              <a:rPr lang="pt-PT" sz="1400" dirty="0">
                 <a:effectLst/>
                 <a:latin typeface="Calibri" panose="020F0502020204030204" pitchFamily="34" charset="0"/>
                 <a:ea typeface="Calibri" panose="020F0502020204030204" pitchFamily="34" charset="0"/>
@@ -3080,7 +3059,7 @@
               </a:rPr>
               <a:t>O LabNPF-PC-Workstation é um computador de trabalho para processamento e análise de dados do Laboratório de Neuropsicofisiologia.</a:t>
             </a:r>
-            <a:endParaRPr lang="pt-PT" sz="1200" dirty="0" smtClean="0">
+            <a:endParaRPr lang="pt-PT" sz="1200" dirty="0">
               <a:effectLst/>
               <a:latin typeface="Calibri" panose="020F0502020204030204" pitchFamily="34" charset="0"/>
               <a:ea typeface="Calibri" panose="020F0502020204030204" pitchFamily="34" charset="0"/>
@@ -3099,7 +3078,7 @@
               <a:buChar char=""/>
             </a:pPr>
             <a:r>
-              <a:rPr lang="pt-PT" sz="1400" dirty="0" smtClean="0">
+              <a:rPr lang="pt-PT" sz="1400" dirty="0">
                 <a:effectLst/>
                 <a:latin typeface="Calibri" panose="020F0502020204030204" pitchFamily="34" charset="0"/>
                 <a:ea typeface="Calibri" panose="020F0502020204030204" pitchFamily="34" charset="0"/>
@@ -3107,7 +3086,7 @@
               </a:rPr>
               <a:t>LabNPF-PC-Workstation pode ser acedido remotamente através do software AnyDesk (contactar LabManager para obter acesso).</a:t>
             </a:r>
-            <a:endParaRPr lang="pt-PT" sz="1200" dirty="0" smtClean="0">
+            <a:endParaRPr lang="pt-PT" sz="1200" dirty="0">
               <a:effectLst/>
               <a:latin typeface="Calibri" panose="020F0502020204030204" pitchFamily="34" charset="0"/>
               <a:ea typeface="Calibri" panose="020F0502020204030204" pitchFamily="34" charset="0"/>
@@ -3126,7 +3105,7 @@
               <a:buChar char="o"/>
             </a:pPr>
             <a:r>
-              <a:rPr lang="pt-PT" sz="1400" dirty="0" smtClean="0">
+              <a:rPr lang="pt-PT" sz="1400" dirty="0">
                 <a:effectLst/>
                 <a:latin typeface="Calibri" panose="020F0502020204030204" pitchFamily="34" charset="0"/>
                 <a:ea typeface="Calibri" panose="020F0502020204030204" pitchFamily="34" charset="0"/>
@@ -3134,7 +3113,7 @@
               </a:rPr>
               <a:t>Não desligue este computador, pois isso irá inviabilizar o acesso através do AnyDesk.</a:t>
             </a:r>
-            <a:endParaRPr lang="pt-PT" sz="1200" dirty="0" smtClean="0">
+            <a:endParaRPr lang="pt-PT" sz="1200" dirty="0">
               <a:effectLst/>
               <a:latin typeface="Calibri" panose="020F0502020204030204" pitchFamily="34" charset="0"/>
               <a:ea typeface="Calibri" panose="020F0502020204030204" pitchFamily="34" charset="0"/>
@@ -3153,7 +3132,7 @@
               <a:buChar char=""/>
             </a:pPr>
             <a:r>
-              <a:rPr lang="pt-PT" sz="1400" dirty="0" smtClean="0">
+              <a:rPr lang="pt-PT" sz="1400" dirty="0">
                 <a:effectLst/>
                 <a:latin typeface="Calibri" panose="020F0502020204030204" pitchFamily="34" charset="0"/>
                 <a:ea typeface="Calibri" panose="020F0502020204030204" pitchFamily="34" charset="0"/>
@@ -3161,7 +3140,7 @@
               </a:rPr>
               <a:t>A utilização deste PC (presencial ou remota) deve ser previamente calendarizada no respetivo Calendário Google partilhado.</a:t>
             </a:r>
-            <a:endParaRPr lang="pt-PT" sz="1200" dirty="0" smtClean="0">
+            <a:endParaRPr lang="pt-PT" sz="1200" dirty="0">
               <a:effectLst/>
               <a:latin typeface="Calibri" panose="020F0502020204030204" pitchFamily="34" charset="0"/>
               <a:ea typeface="Calibri" panose="020F0502020204030204" pitchFamily="34" charset="0"/>
@@ -3180,7 +3159,7 @@
               <a:buChar char=""/>
             </a:pPr>
             <a:r>
-              <a:rPr lang="pt-PT" sz="1400" dirty="0" smtClean="0">
+              <a:rPr lang="pt-PT" sz="1400" dirty="0">
                 <a:effectLst/>
                 <a:latin typeface="Calibri" panose="020F0502020204030204" pitchFamily="34" charset="0"/>
                 <a:ea typeface="Calibri" panose="020F0502020204030204" pitchFamily="34" charset="0"/>
@@ -3188,7 +3167,7 @@
               </a:rPr>
               <a:t>Armazenamento dos dados:</a:t>
             </a:r>
-            <a:endParaRPr lang="pt-PT" sz="1200" dirty="0" smtClean="0">
+            <a:endParaRPr lang="pt-PT" sz="1200" dirty="0">
               <a:effectLst/>
               <a:latin typeface="Calibri" panose="020F0502020204030204" pitchFamily="34" charset="0"/>
               <a:ea typeface="Calibri" panose="020F0502020204030204" pitchFamily="34" charset="0"/>
@@ -3207,7 +3186,7 @@
               <a:buChar char="o"/>
             </a:pPr>
             <a:r>
-              <a:rPr lang="pt-PT" sz="1400" dirty="0" smtClean="0">
+              <a:rPr lang="pt-PT" sz="1400" dirty="0">
                 <a:effectLst/>
                 <a:latin typeface="Calibri" panose="020F0502020204030204" pitchFamily="34" charset="0"/>
                 <a:ea typeface="Calibri" panose="020F0502020204030204" pitchFamily="34" charset="0"/>
@@ -3215,7 +3194,7 @@
               </a:rPr>
               <a:t>Não guardar dados no disco do sistema operativo (disco C:\), pois o espaço deste disco é limitado. Isto inclui o Ambiente de Trabalho.</a:t>
             </a:r>
-            <a:endParaRPr lang="pt-PT" sz="1200" dirty="0" smtClean="0">
+            <a:endParaRPr lang="pt-PT" sz="1200" dirty="0">
               <a:effectLst/>
               <a:latin typeface="Calibri" panose="020F0502020204030204" pitchFamily="34" charset="0"/>
               <a:ea typeface="Calibri" panose="020F0502020204030204" pitchFamily="34" charset="0"/>
@@ -3234,7 +3213,7 @@
               <a:buChar char="o"/>
             </a:pPr>
             <a:r>
-              <a:rPr lang="pt-PT" sz="1400" dirty="0" smtClean="0">
+              <a:rPr lang="pt-PT" sz="1400" dirty="0">
                 <a:effectLst/>
                 <a:latin typeface="Calibri" panose="020F0502020204030204" pitchFamily="34" charset="0"/>
                 <a:ea typeface="Calibri" panose="020F0502020204030204" pitchFamily="34" charset="0"/>
@@ -3242,7 +3221,7 @@
               </a:rPr>
               <a:t>Os dados e outros ficheiros devem ser guardados nos discos de armazenamento (discos D:\ e E:\).</a:t>
             </a:r>
-            <a:endParaRPr lang="pt-PT" sz="1200" dirty="0" smtClean="0">
+            <a:endParaRPr lang="pt-PT" sz="1200" dirty="0">
               <a:effectLst/>
               <a:latin typeface="Calibri" panose="020F0502020204030204" pitchFamily="34" charset="0"/>
               <a:ea typeface="Calibri" panose="020F0502020204030204" pitchFamily="34" charset="0"/>
@@ -3261,7 +3240,7 @@
               <a:buChar char="o"/>
             </a:pPr>
             <a:r>
-              <a:rPr lang="pt-PT" sz="1400" dirty="0" smtClean="0">
+              <a:rPr lang="pt-PT" sz="1400" dirty="0">
                 <a:effectLst/>
                 <a:latin typeface="Calibri" panose="020F0502020204030204" pitchFamily="34" charset="0"/>
                 <a:ea typeface="Calibri" panose="020F0502020204030204" pitchFamily="34" charset="0"/>
@@ -3269,7 +3248,7 @@
               </a:rPr>
               <a:t>Nos discos de armazenamento, crie uma pasta com o seu nome ou nome do projeto onde pode armazenar dados que estejam atualmente a ser processados.</a:t>
             </a:r>
-            <a:endParaRPr lang="pt-PT" sz="1200" dirty="0" smtClean="0">
+            <a:endParaRPr lang="pt-PT" sz="1200" dirty="0">
               <a:effectLst/>
               <a:latin typeface="Calibri" panose="020F0502020204030204" pitchFamily="34" charset="0"/>
               <a:ea typeface="Calibri" panose="020F0502020204030204" pitchFamily="34" charset="0"/>
@@ -3288,15 +3267,33 @@
               <a:buChar char="o"/>
             </a:pPr>
             <a:r>
-              <a:rPr lang="pt-PT" sz="1400" dirty="0" smtClean="0">
+              <a:rPr lang="pt-PT" sz="1400" dirty="0">
                 <a:effectLst/>
                 <a:latin typeface="Calibri" panose="020F0502020204030204" pitchFamily="34" charset="0"/>
                 <a:ea typeface="Calibri" panose="020F0502020204030204" pitchFamily="34" charset="0"/>
                 <a:cs typeface="Times New Roman" panose="02020603050405020304" pitchFamily="18" charset="0"/>
               </a:rPr>
-              <a:t>Depois de terminar o processamento e análise dos dados, deve transferir os seus ficheiros para uma unidade de backup do Laboratório (Docollab ou uma das unidades de armazenamento na rede FPCEUP: LabCloud ou NASNeuro).</a:t>
-            </a:r>
-            <a:endParaRPr lang="pt-PT" sz="1200" dirty="0" smtClean="0">
+              <a:t>Depois de terminar o processamento e análise dos dados, deve transferir os seus ficheiros para uma unidade de backup do Laboratório (unidade de armazenamento na rede FPCEUP: </a:t>
+            </a:r>
+            <a:r>
+              <a:rPr lang="pt-PT" sz="1400" dirty="0" err="1">
+                <a:effectLst/>
+                <a:latin typeface="Calibri" panose="020F0502020204030204" pitchFamily="34" charset="0"/>
+                <a:ea typeface="Calibri" panose="020F0502020204030204" pitchFamily="34" charset="0"/>
+                <a:cs typeface="Times New Roman" panose="02020603050405020304" pitchFamily="18" charset="0"/>
+              </a:rPr>
+              <a:t>NASNeuro</a:t>
+            </a:r>
+            <a:r>
+              <a:rPr lang="pt-PT" sz="1400" dirty="0">
+                <a:effectLst/>
+                <a:latin typeface="Calibri" panose="020F0502020204030204" pitchFamily="34" charset="0"/>
+                <a:ea typeface="Calibri" panose="020F0502020204030204" pitchFamily="34" charset="0"/>
+                <a:cs typeface="Times New Roman" panose="02020603050405020304" pitchFamily="18" charset="0"/>
+              </a:rPr>
+              <a:t>).</a:t>
+            </a:r>
+            <a:endParaRPr lang="pt-PT" sz="1200" dirty="0">
               <a:effectLst/>
               <a:latin typeface="Calibri" panose="020F0502020204030204" pitchFamily="34" charset="0"/>
               <a:ea typeface="Calibri" panose="020F0502020204030204" pitchFamily="34" charset="0"/>
@@ -3315,20 +3312,51 @@
               <a:buChar char=""/>
             </a:pPr>
             <a:r>
-              <a:rPr lang="pt-PT" sz="1400" dirty="0" smtClean="0">
+              <a:rPr lang="pt-PT" sz="1400" dirty="0">
                 <a:effectLst/>
                 <a:latin typeface="Calibri" panose="020F0502020204030204" pitchFamily="34" charset="0"/>
                 <a:ea typeface="Calibri" panose="020F0502020204030204" pitchFamily="34" charset="0"/>
                 <a:cs typeface="Times New Roman" panose="02020603050405020304" pitchFamily="18" charset="0"/>
               </a:rPr>
-              <a:t>Não instale software neste computador sem autorização, pois pode comprometer o seu funcionamento. Se necessitar de algum software que não esteja instalado, p.f. contacte a LabManager.</a:t>
-            </a:r>
-            <a:endParaRPr lang="pt-PT" sz="1200" dirty="0" smtClean="0">
-              <a:effectLst/>
-              <a:latin typeface="Calibri" panose="020F0502020204030204" pitchFamily="34" charset="0"/>
-              <a:ea typeface="Calibri" panose="020F0502020204030204" pitchFamily="34" charset="0"/>
-              <a:cs typeface="Times New Roman" panose="02020603050405020304" pitchFamily="18" charset="0"/>
-            </a:endParaRPr>
+              <a:t>Não instale software neste computador sem autorização, pois pode comprometer o seu funcionamento. Se necessitar de algum software que não esteja instalado, p.f. contacte a </a:t>
+            </a:r>
+            <a:r>
+              <a:rPr lang="pt-PT" sz="1400" dirty="0" err="1">
+                <a:effectLst/>
+                <a:latin typeface="Calibri" panose="020F0502020204030204" pitchFamily="34" charset="0"/>
+                <a:ea typeface="Calibri" panose="020F0502020204030204" pitchFamily="34" charset="0"/>
+                <a:cs typeface="Times New Roman" panose="02020603050405020304" pitchFamily="18" charset="0"/>
+              </a:rPr>
+              <a:t>LabManager</a:t>
+            </a:r>
+            <a:r>
+              <a:rPr lang="pt-PT" sz="1400" dirty="0">
+                <a:effectLst/>
+                <a:latin typeface="Calibri" panose="020F0502020204030204" pitchFamily="34" charset="0"/>
+                <a:ea typeface="Calibri" panose="020F0502020204030204" pitchFamily="34" charset="0"/>
+                <a:cs typeface="Times New Roman" panose="02020603050405020304" pitchFamily="18" charset="0"/>
+              </a:rPr>
+              <a:t>.</a:t>
+            </a:r>
+          </a:p>
+          <a:p>
+            <a:pPr marL="342900" indent="-342900" algn="just">
+              <a:lnSpc>
+                <a:spcPct val="107000"/>
+              </a:lnSpc>
+              <a:spcAft>
+                <a:spcPts val="600"/>
+              </a:spcAft>
+              <a:buFont typeface="Symbol" panose="05050102010706020507" pitchFamily="18" charset="2"/>
+              <a:buChar char=""/>
+            </a:pPr>
+            <a:r>
+              <a:rPr lang="pt-PT" sz="1400" dirty="0">
+                <a:latin typeface="Calibri" panose="020F0502020204030204" pitchFamily="34" charset="0"/>
+                <a:cs typeface="Times New Roman" panose="02020603050405020304" pitchFamily="18" charset="0"/>
+              </a:rPr>
+              <a:t>Utilização do MATLAB implica login com a sua conta Mathworks U.Porto.</a:t>
+            </a:r>
           </a:p>
           <a:p>
             <a:pPr marL="342900" lvl="0" indent="-342900" algn="just">
@@ -3342,7 +3370,7 @@
               <a:buChar char=""/>
             </a:pPr>
             <a:r>
-              <a:rPr lang="pt-PT" sz="1400" dirty="0" smtClean="0">
+              <a:rPr lang="pt-PT" sz="1400" dirty="0">
                 <a:effectLst/>
                 <a:latin typeface="Calibri" panose="020F0502020204030204" pitchFamily="34" charset="0"/>
                 <a:ea typeface="Calibri" panose="020F0502020204030204" pitchFamily="34" charset="0"/>
@@ -3472,7 +3500,7 @@
         <p:spPr>
           <a:xfrm>
             <a:off x="245573" y="1950381"/>
-            <a:ext cx="2730384" cy="1097095"/>
+            <a:ext cx="2730384" cy="2379498"/>
           </a:xfrm>
           <a:prstGeom prst="rect">
             <a:avLst/>
@@ -3493,13 +3521,49 @@
               </a:spcAft>
             </a:pPr>
             <a:r>
-              <a:rPr lang="pt-PT" sz="1400" b="1" dirty="0" smtClean="0">
+              <a:rPr lang="pt-PT" sz="1400" b="1" dirty="0">
                 <a:effectLst/>
                 <a:latin typeface="Calibri" panose="020F0502020204030204" pitchFamily="34" charset="0"/>
                 <a:ea typeface="Calibri" panose="020F0502020204030204" pitchFamily="34" charset="0"/>
                 <a:cs typeface="Times New Roman" panose="02020603050405020304" pitchFamily="18" charset="0"/>
               </a:rPr>
               <a:t>LabNPF-PC-Workstation</a:t>
+            </a:r>
+          </a:p>
+          <a:p>
+            <a:pPr marL="180975" algn="just">
+              <a:lnSpc>
+                <a:spcPct val="107000"/>
+              </a:lnSpc>
+              <a:spcAft>
+                <a:spcPts val="600"/>
+              </a:spcAft>
+            </a:pPr>
+            <a:r>
+              <a:rPr lang="pt-PT" sz="1100" dirty="0">
+                <a:latin typeface="Calibri" panose="020F0502020204030204" pitchFamily="34" charset="0"/>
+                <a:ea typeface="Calibri" panose="020F0502020204030204" pitchFamily="34" charset="0"/>
+                <a:cs typeface="Times New Roman" panose="02020603050405020304" pitchFamily="18" charset="0"/>
+              </a:rPr>
+              <a:t>CPU Intel Core i7-8700</a:t>
+            </a:r>
+          </a:p>
+          <a:p>
+            <a:pPr marL="180975" algn="just">
+              <a:lnSpc>
+                <a:spcPct val="107000"/>
+              </a:lnSpc>
+              <a:spcAft>
+                <a:spcPts val="600"/>
+              </a:spcAft>
+            </a:pPr>
+            <a:r>
+              <a:rPr lang="pt-PT" sz="1100" dirty="0">
+                <a:latin typeface="Calibri" panose="020F0502020204030204" pitchFamily="34" charset="0"/>
+                <a:ea typeface="Calibri" panose="020F0502020204030204" pitchFamily="34" charset="0"/>
+                <a:cs typeface="Times New Roman" panose="02020603050405020304" pitchFamily="18" charset="0"/>
+              </a:rPr>
+              <a:t>RAM 16GB DDR4</a:t>
             </a:r>
           </a:p>
           <a:p>
@@ -3526,14 +3590,11 @@
                 <a:spcPts val="600"/>
               </a:spcAft>
             </a:pPr>
-            <a:r>
-              <a:rPr lang="pt-PT" sz="1100" dirty="0" smtClean="0">
-                <a:latin typeface="Calibri" panose="020F0502020204030204" pitchFamily="34" charset="0"/>
-                <a:ea typeface="Calibri" panose="020F0502020204030204" pitchFamily="34" charset="0"/>
-                <a:cs typeface="Times New Roman" panose="02020603050405020304" pitchFamily="18" charset="0"/>
-              </a:rPr>
-              <a:t>Processamento e análise de dados </a:t>
-            </a:r>
+            <a:endParaRPr lang="pt-PT" sz="1100" dirty="0">
+              <a:latin typeface="Calibri" panose="020F0502020204030204" pitchFamily="34" charset="0"/>
+              <a:ea typeface="Calibri" panose="020F0502020204030204" pitchFamily="34" charset="0"/>
+              <a:cs typeface="Times New Roman" panose="02020603050405020304" pitchFamily="18" charset="0"/>
+            </a:endParaRPr>
           </a:p>
           <a:p>
             <a:pPr algn="just">
@@ -3545,13 +3606,220 @@
               </a:spcAft>
             </a:pPr>
             <a:r>
-              <a:rPr lang="pt-PT" sz="1100" i="1" dirty="0" smtClean="0">
+              <a:rPr lang="pt-PT" sz="1100" b="1" dirty="0">
                 <a:latin typeface="Calibri" panose="020F0502020204030204" pitchFamily="34" charset="0"/>
                 <a:ea typeface="Calibri" panose="020F0502020204030204" pitchFamily="34" charset="0"/>
                 <a:cs typeface="Times New Roman" panose="02020603050405020304" pitchFamily="18" charset="0"/>
               </a:rPr>
-              <a:t>Data processing and analysis</a:t>
-            </a:r>
+              <a:t>Processamento e análise de dados </a:t>
+            </a:r>
+          </a:p>
+          <a:p>
+            <a:pPr algn="just">
+              <a:lnSpc>
+                <a:spcPct val="107000"/>
+              </a:lnSpc>
+              <a:spcAft>
+                <a:spcPts val="600"/>
+              </a:spcAft>
+            </a:pPr>
+            <a:r>
+              <a:rPr lang="pt-PT" sz="1100" b="1" i="1" dirty="0">
+                <a:latin typeface="Calibri" panose="020F0502020204030204" pitchFamily="34" charset="0"/>
+                <a:ea typeface="Calibri" panose="020F0502020204030204" pitchFamily="34" charset="0"/>
+                <a:cs typeface="Times New Roman" panose="02020603050405020304" pitchFamily="18" charset="0"/>
+              </a:rPr>
+              <a:t>Data processing </a:t>
+            </a:r>
+            <a:r>
+              <a:rPr lang="pt-PT" sz="1100" b="1" i="1" dirty="0" err="1">
+                <a:latin typeface="Calibri" panose="020F0502020204030204" pitchFamily="34" charset="0"/>
+                <a:ea typeface="Calibri" panose="020F0502020204030204" pitchFamily="34" charset="0"/>
+                <a:cs typeface="Times New Roman" panose="02020603050405020304" pitchFamily="18" charset="0"/>
+              </a:rPr>
+              <a:t>and</a:t>
+            </a:r>
+            <a:r>
+              <a:rPr lang="pt-PT" sz="1100" b="1" i="1" dirty="0">
+                <a:latin typeface="Calibri" panose="020F0502020204030204" pitchFamily="34" charset="0"/>
+                <a:ea typeface="Calibri" panose="020F0502020204030204" pitchFamily="34" charset="0"/>
+                <a:cs typeface="Times New Roman" panose="02020603050405020304" pitchFamily="18" charset="0"/>
+              </a:rPr>
+              <a:t> </a:t>
+            </a:r>
+            <a:r>
+              <a:rPr lang="pt-PT" sz="1100" b="1" i="1" dirty="0" err="1">
+                <a:latin typeface="Calibri" panose="020F0502020204030204" pitchFamily="34" charset="0"/>
+                <a:ea typeface="Calibri" panose="020F0502020204030204" pitchFamily="34" charset="0"/>
+                <a:cs typeface="Times New Roman" panose="02020603050405020304" pitchFamily="18" charset="0"/>
+              </a:rPr>
+              <a:t>analysis</a:t>
+            </a:r>
+            <a:endParaRPr lang="pt-PT" sz="1100" b="1" i="1" dirty="0">
+              <a:latin typeface="Calibri" panose="020F0502020204030204" pitchFamily="34" charset="0"/>
+              <a:ea typeface="Calibri" panose="020F0502020204030204" pitchFamily="34" charset="0"/>
+              <a:cs typeface="Times New Roman" panose="02020603050405020304" pitchFamily="18" charset="0"/>
+            </a:endParaRPr>
+          </a:p>
+          <a:p>
+            <a:pPr marL="180975" algn="just">
+              <a:lnSpc>
+                <a:spcPct val="107000"/>
+              </a:lnSpc>
+              <a:spcAft>
+                <a:spcPts val="600"/>
+              </a:spcAft>
+            </a:pPr>
+            <a:r>
+              <a:rPr lang="pt-PT" sz="1100" dirty="0">
+                <a:latin typeface="Calibri" panose="020F0502020204030204" pitchFamily="34" charset="0"/>
+                <a:ea typeface="Calibri" panose="020F0502020204030204" pitchFamily="34" charset="0"/>
+                <a:cs typeface="Times New Roman" panose="02020603050405020304" pitchFamily="18" charset="0"/>
+              </a:rPr>
+              <a:t>- MATLAB (EEGLAB, ERPLAB)</a:t>
+            </a:r>
+          </a:p>
+          <a:p>
+            <a:pPr marL="180975" algn="just">
+              <a:lnSpc>
+                <a:spcPct val="107000"/>
+              </a:lnSpc>
+              <a:spcAft>
+                <a:spcPts val="600"/>
+              </a:spcAft>
+            </a:pPr>
+            <a:r>
+              <a:rPr lang="pt-PT" sz="1100" dirty="0">
+                <a:latin typeface="Calibri" panose="020F0502020204030204" pitchFamily="34" charset="0"/>
+                <a:ea typeface="Calibri" panose="020F0502020204030204" pitchFamily="34" charset="0"/>
+                <a:cs typeface="Times New Roman" panose="02020603050405020304" pitchFamily="18" charset="0"/>
+              </a:rPr>
+              <a:t>- </a:t>
+            </a:r>
+            <a:r>
+              <a:rPr lang="pt-PT" sz="1100" dirty="0" err="1">
+                <a:latin typeface="Calibri" panose="020F0502020204030204" pitchFamily="34" charset="0"/>
+                <a:ea typeface="Calibri" panose="020F0502020204030204" pitchFamily="34" charset="0"/>
+                <a:cs typeface="Times New Roman" panose="02020603050405020304" pitchFamily="18" charset="0"/>
+              </a:rPr>
+              <a:t>Statistics</a:t>
+            </a:r>
+            <a:r>
+              <a:rPr lang="pt-PT" sz="1100" dirty="0">
+                <a:latin typeface="Calibri" panose="020F0502020204030204" pitchFamily="34" charset="0"/>
+                <a:ea typeface="Calibri" panose="020F0502020204030204" pitchFamily="34" charset="0"/>
+                <a:cs typeface="Times New Roman" panose="02020603050405020304" pitchFamily="18" charset="0"/>
+              </a:rPr>
+              <a:t> (R, SPSS, etc.)</a:t>
+            </a:r>
+          </a:p>
+        </p:txBody>
+      </p:sp>
+      <p:pic>
+        <p:nvPicPr>
+          <p:cNvPr id="14" name="Picture 13" descr="A picture containing text, chain&#10;&#10;Description automatically generated">
+            <a:extLst>
+              <a:ext uri="{FF2B5EF4-FFF2-40B4-BE49-F238E27FC236}">
+                <a16:creationId xmlns:a16="http://schemas.microsoft.com/office/drawing/2014/main" id="{EDFB7D8E-E742-1B56-D34F-E33C1568AFAB}"/>
+              </a:ext>
+            </a:extLst>
+          </p:cNvPr>
+          <p:cNvPicPr>
+            <a:picLocks noChangeAspect="1"/>
+          </p:cNvPicPr>
+          <p:nvPr/>
+        </p:nvPicPr>
+        <p:blipFill>
+          <a:blip r:embed="rId3" cstate="print">
+            <a:extLst>
+              <a:ext uri="{28A0092B-C50C-407E-A947-70E740481C1C}">
+                <a14:useLocalDpi xmlns:a14="http://schemas.microsoft.com/office/drawing/2010/main" val="0"/>
+              </a:ext>
+            </a:extLst>
+          </a:blip>
+          <a:stretch>
+            <a:fillRect/>
+          </a:stretch>
+        </p:blipFill>
+        <p:spPr>
+          <a:xfrm>
+            <a:off x="383425" y="383618"/>
+            <a:ext cx="482291" cy="394382"/>
+          </a:xfrm>
+          <a:prstGeom prst="rect">
+            <a:avLst/>
+          </a:prstGeom>
+        </p:spPr>
+      </p:pic>
+      <p:pic>
+        <p:nvPicPr>
+          <p:cNvPr id="15" name="Picture 14" descr="A picture containing text, chain&#10;&#10;Description automatically generated">
+            <a:extLst>
+              <a:ext uri="{FF2B5EF4-FFF2-40B4-BE49-F238E27FC236}">
+                <a16:creationId xmlns:a16="http://schemas.microsoft.com/office/drawing/2014/main" id="{AD30F66B-43A9-179F-4D7F-132B01A20795}"/>
+              </a:ext>
+            </a:extLst>
+          </p:cNvPr>
+          <p:cNvPicPr>
+            <a:picLocks noChangeAspect="1"/>
+          </p:cNvPicPr>
+          <p:nvPr/>
+        </p:nvPicPr>
+        <p:blipFill>
+          <a:blip r:embed="rId3" cstate="print">
+            <a:extLst>
+              <a:ext uri="{28A0092B-C50C-407E-A947-70E740481C1C}">
+                <a14:useLocalDpi xmlns:a14="http://schemas.microsoft.com/office/drawing/2010/main" val="0"/>
+              </a:ext>
+            </a:extLst>
+          </a:blip>
+          <a:stretch>
+            <a:fillRect/>
+          </a:stretch>
+        </p:blipFill>
+        <p:spPr>
+          <a:xfrm rot="10800000">
+            <a:off x="1268392" y="1267801"/>
+            <a:ext cx="482291" cy="394382"/>
+          </a:xfrm>
+          <a:prstGeom prst="rect">
+            <a:avLst/>
+          </a:prstGeom>
+        </p:spPr>
+      </p:pic>
+      <p:sp>
+        <p:nvSpPr>
+          <p:cNvPr id="6" name="TextBox 5">
+            <a:extLst>
+              <a:ext uri="{FF2B5EF4-FFF2-40B4-BE49-F238E27FC236}">
+                <a16:creationId xmlns:a16="http://schemas.microsoft.com/office/drawing/2014/main" id="{D0A8F0E7-ED77-CC83-311F-CB86213F21FF}"/>
+              </a:ext>
+            </a:extLst>
+          </p:cNvPr>
+          <p:cNvSpPr txBox="1"/>
+          <p:nvPr/>
+        </p:nvSpPr>
+        <p:spPr>
+          <a:xfrm>
+            <a:off x="20613" y="6579901"/>
+            <a:ext cx="845103" cy="246221"/>
+          </a:xfrm>
+          <a:prstGeom prst="rect">
+            <a:avLst/>
+          </a:prstGeom>
+          <a:noFill/>
+        </p:spPr>
+        <p:txBody>
+          <a:bodyPr wrap="none" rtlCol="0">
+            <a:spAutoFit/>
+          </a:bodyPr>
+          <a:lstStyle/>
+          <a:p>
+            <a:r>
+              <a:rPr lang="en-US" sz="1000" dirty="0"/>
+              <a:t>v2023-02-28</a:t>
+            </a:r>
+            <a:endParaRPr lang="en-GB" sz="1000" dirty="0"/>
           </a:p>
         </p:txBody>
       </p:sp>
